--- a/intro/intro-presentation.pptx
+++ b/intro/intro-presentation.pptx
@@ -3446,7 +3446,7 @@
           <p:cNvPr id="2" name="Title 1">
             <a:extLst>
               <a:ext uri="{FF2B5EF4-FFF2-40B4-BE49-F238E27FC236}">
-                <a16:creationId xmlns:a16="http://schemas.microsoft.com/office/drawing/2014/main" id="{62CD75F3-8F49-4FE9-B554-9566A1CEB51F}"/>
+                <a16:creationId xmlns:a16="http://schemas.microsoft.com/office/drawing/2014/main" id="{6F8FFE93-3977-452D-84EA-EC710E570775}"/>
               </a:ext>
             </a:extLst>
           </p:cNvPr>
@@ -3493,15 +3493,15 @@
           <p:cNvPr id="3" name="Content Placeholder 2">
             <a:extLst>
               <a:ext uri="{FF2B5EF4-FFF2-40B4-BE49-F238E27FC236}">
-                <a16:creationId xmlns:a16="http://schemas.microsoft.com/office/drawing/2014/main" id="{4C937117-A2F6-4296-ABEC-77AAB001735F}"/>
-              </a:ext>
-            </a:extLst>
-          </p:cNvPr>
-          <p:cNvSpPr>
-            <a:spLocks noGrp="1"/>
-          </p:cNvSpPr>
-          <p:nvPr>
-            <p:ph idx="1"/>
+                <a16:creationId xmlns:a16="http://schemas.microsoft.com/office/drawing/2014/main" id="{BFBD77CA-E99A-4DEC-9763-3B98CD331512}"/>
+              </a:ext>
+            </a:extLst>
+          </p:cNvPr>
+          <p:cNvSpPr>
+            <a:spLocks noGrp="1"/>
+          </p:cNvSpPr>
+          <p:nvPr>
+            <p:ph idx="1" sz="half"/>
           </p:nvPr>
         </p:nvSpPr>
         <p:spPr/>
@@ -3524,6 +3524,36 @@
           </a:p>
         </p:txBody>
       </p:sp>
+      <p:pic>
+        <p:nvPicPr>
+          <p:cNvPr descr="https://github.com/dickoa/panafrican-dima-r-training/blob/main/intro/images/code_meme.jpg?raw=true" id="0" name="Picture 1"/>
+          <p:cNvPicPr>
+            <a:picLocks noGrp="1" noChangeAspect="1"/>
+          </p:cNvPicPr>
+          <p:nvPr/>
+        </p:nvPicPr>
+        <p:blipFill>
+          <a:blip r:embed="rId2"/>
+          <a:stretch>
+            <a:fillRect/>
+          </a:stretch>
+        </p:blipFill>
+        <p:spPr bwMode="auto">
+          <a:xfrm>
+            <a:off x="6654800" y="1727200"/>
+            <a:ext cx="4800600" cy="4114800"/>
+          </a:xfrm>
+          <a:prstGeom prst="rect">
+            <a:avLst/>
+          </a:prstGeom>
+          <a:noFill/>
+          <a:ln w="9525">
+            <a:noFill/>
+            <a:headEnd/>
+            <a:tailEnd/>
+          </a:ln>
+        </p:spPr>
+      </p:pic>
     </p:spTree>
   </p:cSld>
 </p:sld>
@@ -3551,7 +3581,7 @@
           <p:cNvPr id="2" name="Title 1">
             <a:extLst>
               <a:ext uri="{FF2B5EF4-FFF2-40B4-BE49-F238E27FC236}">
-                <a16:creationId xmlns:a16="http://schemas.microsoft.com/office/drawing/2014/main" id="{62CD75F3-8F49-4FE9-B554-9566A1CEB51F}"/>
+                <a16:creationId xmlns:a16="http://schemas.microsoft.com/office/drawing/2014/main" id="{6F8FFE93-3977-452D-84EA-EC710E570775}"/>
               </a:ext>
             </a:extLst>
           </p:cNvPr>
@@ -3598,15 +3628,15 @@
           <p:cNvPr id="3" name="Content Placeholder 2">
             <a:extLst>
               <a:ext uri="{FF2B5EF4-FFF2-40B4-BE49-F238E27FC236}">
-                <a16:creationId xmlns:a16="http://schemas.microsoft.com/office/drawing/2014/main" id="{4C937117-A2F6-4296-ABEC-77AAB001735F}"/>
-              </a:ext>
-            </a:extLst>
-          </p:cNvPr>
-          <p:cNvSpPr>
-            <a:spLocks noGrp="1"/>
-          </p:cNvSpPr>
-          <p:nvPr>
-            <p:ph idx="1"/>
+                <a16:creationId xmlns:a16="http://schemas.microsoft.com/office/drawing/2014/main" id="{BFBD77CA-E99A-4DEC-9763-3B98CD331512}"/>
+              </a:ext>
+            </a:extLst>
+          </p:cNvPr>
+          <p:cNvSpPr>
+            <a:spLocks noGrp="1"/>
+          </p:cNvSpPr>
+          <p:nvPr>
+            <p:ph idx="1" sz="half"/>
           </p:nvPr>
         </p:nvSpPr>
         <p:spPr/>
@@ -3636,6 +3666,36 @@
           </a:p>
         </p:txBody>
       </p:sp>
+      <p:pic>
+        <p:nvPicPr>
+          <p:cNvPr descr="https://github.com/dickoa/panafrican-dima-r-training/blob/main/intro/images/community_meme.png?raw=true" id="0" name="Picture 1"/>
+          <p:cNvPicPr>
+            <a:picLocks noGrp="1" noChangeAspect="1"/>
+          </p:cNvPicPr>
+          <p:nvPr/>
+        </p:nvPicPr>
+        <p:blipFill>
+          <a:blip r:embed="rId2"/>
+          <a:stretch>
+            <a:fillRect/>
+          </a:stretch>
+        </p:blipFill>
+        <p:spPr bwMode="auto">
+          <a:xfrm>
+            <a:off x="8051800" y="1727200"/>
+            <a:ext cx="2032000" cy="4114800"/>
+          </a:xfrm>
+          <a:prstGeom prst="rect">
+            <a:avLst/>
+          </a:prstGeom>
+          <a:noFill/>
+          <a:ln w="9525">
+            <a:noFill/>
+            <a:headEnd/>
+            <a:tailEnd/>
+          </a:ln>
+        </p:spPr>
+      </p:pic>
     </p:spTree>
   </p:cSld>
 </p:sld>
@@ -3663,7 +3723,7 @@
           <p:cNvPr id="2" name="Title 1">
             <a:extLst>
               <a:ext uri="{FF2B5EF4-FFF2-40B4-BE49-F238E27FC236}">
-                <a16:creationId xmlns:a16="http://schemas.microsoft.com/office/drawing/2014/main" id="{62CD75F3-8F49-4FE9-B554-9566A1CEB51F}"/>
+                <a16:creationId xmlns:a16="http://schemas.microsoft.com/office/drawing/2014/main" id="{6F8FFE93-3977-452D-84EA-EC710E570775}"/>
               </a:ext>
             </a:extLst>
           </p:cNvPr>
@@ -3726,15 +3786,15 @@
           <p:cNvPr id="3" name="Content Placeholder 2">
             <a:extLst>
               <a:ext uri="{FF2B5EF4-FFF2-40B4-BE49-F238E27FC236}">
-                <a16:creationId xmlns:a16="http://schemas.microsoft.com/office/drawing/2014/main" id="{4C937117-A2F6-4296-ABEC-77AAB001735F}"/>
-              </a:ext>
-            </a:extLst>
-          </p:cNvPr>
-          <p:cNvSpPr>
-            <a:spLocks noGrp="1"/>
-          </p:cNvSpPr>
-          <p:nvPr>
-            <p:ph idx="1"/>
+                <a16:creationId xmlns:a16="http://schemas.microsoft.com/office/drawing/2014/main" id="{BFBD77CA-E99A-4DEC-9763-3B98CD331512}"/>
+              </a:ext>
+            </a:extLst>
+          </p:cNvPr>
+          <p:cNvSpPr>
+            <a:spLocks noGrp="1"/>
+          </p:cNvSpPr>
+          <p:nvPr>
+            <p:ph idx="1" sz="half"/>
           </p:nvPr>
         </p:nvSpPr>
         <p:spPr/>
@@ -3800,6 +3860,36 @@
           </a:p>
         </p:txBody>
       </p:sp>
+      <p:pic>
+        <p:nvPicPr>
+          <p:cNvPr descr="https://github.com/dickoa/panafrican-dima-r-training/blob/main/intro/images/unhcrverse.png?raw=true" id="0" name="Picture 1"/>
+          <p:cNvPicPr>
+            <a:picLocks noGrp="1" noChangeAspect="1"/>
+          </p:cNvPicPr>
+          <p:nvPr/>
+        </p:nvPicPr>
+        <p:blipFill>
+          <a:blip r:embed="rId2"/>
+          <a:stretch>
+            <a:fillRect/>
+          </a:stretch>
+        </p:blipFill>
+        <p:spPr bwMode="auto">
+          <a:xfrm>
+            <a:off x="6172200" y="2235200"/>
+            <a:ext cx="5778500" cy="3086100"/>
+          </a:xfrm>
+          <a:prstGeom prst="rect">
+            <a:avLst/>
+          </a:prstGeom>
+          <a:noFill/>
+          <a:ln w="9525">
+            <a:noFill/>
+            <a:headEnd/>
+            <a:tailEnd/>
+          </a:ln>
+        </p:spPr>
+      </p:pic>
     </p:spTree>
   </p:cSld>
 </p:sld>
@@ -3827,7 +3917,7 @@
           <p:cNvPr id="2" name="Title 1">
             <a:extLst>
               <a:ext uri="{FF2B5EF4-FFF2-40B4-BE49-F238E27FC236}">
-                <a16:creationId xmlns:a16="http://schemas.microsoft.com/office/drawing/2014/main" id="{62CD75F3-8F49-4FE9-B554-9566A1CEB51F}"/>
+                <a16:creationId xmlns:a16="http://schemas.microsoft.com/office/drawing/2014/main" id="{6F8FFE93-3977-452D-84EA-EC710E570775}"/>
               </a:ext>
             </a:extLst>
           </p:cNvPr>
@@ -3882,15 +3972,15 @@
           <p:cNvPr id="3" name="Content Placeholder 2">
             <a:extLst>
               <a:ext uri="{FF2B5EF4-FFF2-40B4-BE49-F238E27FC236}">
-                <a16:creationId xmlns:a16="http://schemas.microsoft.com/office/drawing/2014/main" id="{4C937117-A2F6-4296-ABEC-77AAB001735F}"/>
-              </a:ext>
-            </a:extLst>
-          </p:cNvPr>
-          <p:cNvSpPr>
-            <a:spLocks noGrp="1"/>
-          </p:cNvSpPr>
-          <p:nvPr>
-            <p:ph idx="1"/>
+                <a16:creationId xmlns:a16="http://schemas.microsoft.com/office/drawing/2014/main" id="{BFBD77CA-E99A-4DEC-9763-3B98CD331512}"/>
+              </a:ext>
+            </a:extLst>
+          </p:cNvPr>
+          <p:cNvSpPr>
+            <a:spLocks noGrp="1"/>
+          </p:cNvSpPr>
+          <p:nvPr>
+            <p:ph idx="1" sz="half"/>
           </p:nvPr>
         </p:nvSpPr>
         <p:spPr/>
@@ -3965,6 +4055,36 @@
           </a:p>
         </p:txBody>
       </p:sp>
+      <p:pic>
+        <p:nvPicPr>
+          <p:cNvPr descr="https://github.com/dickoa/panafrican-dima-r-training/blob/main/intro/images/relationship_meme.jpg?raw=true" id="0" name="Picture 1"/>
+          <p:cNvPicPr>
+            <a:picLocks noGrp="1" noChangeAspect="1"/>
+          </p:cNvPicPr>
+          <p:nvPr/>
+        </p:nvPicPr>
+        <p:blipFill>
+          <a:blip r:embed="rId2"/>
+          <a:stretch>
+            <a:fillRect/>
+          </a:stretch>
+        </p:blipFill>
+        <p:spPr bwMode="auto">
+          <a:xfrm>
+            <a:off x="7569200" y="1727200"/>
+            <a:ext cx="2984500" cy="4114800"/>
+          </a:xfrm>
+          <a:prstGeom prst="rect">
+            <a:avLst/>
+          </a:prstGeom>
+          <a:noFill/>
+          <a:ln w="9525">
+            <a:noFill/>
+            <a:headEnd/>
+            <a:tailEnd/>
+          </a:ln>
+        </p:spPr>
+      </p:pic>
     </p:spTree>
   </p:cSld>
 </p:sld>
@@ -4055,17 +4175,13 @@
             <a:pPr lvl="1"/>
             <a:r>
               <a:rPr/>
-              <a:t>RStudio from ,</a:t>
+              <a:t>RStudio from </a:t>
             </a:r>
             <a:r>
               <a:rPr>
                 <a:hlinkClick r:id="rId3"/>
               </a:rPr>
               <a:t>https://www.rstudio.com/products/rstudio/download/</a:t>
-            </a:r>
-            <a:r>
-              <a:rPr/>
-              <a:t>&gt;</a:t>
             </a:r>
           </a:p>
           <a:p>
@@ -4106,7 +4222,7 @@
           <p:cNvPr id="2" name="Title 1">
             <a:extLst>
               <a:ext uri="{FF2B5EF4-FFF2-40B4-BE49-F238E27FC236}">
-                <a16:creationId xmlns:a16="http://schemas.microsoft.com/office/drawing/2014/main" id="{62CD75F3-8F49-4FE9-B554-9566A1CEB51F}"/>
+                <a16:creationId xmlns:a16="http://schemas.microsoft.com/office/drawing/2014/main" id="{6F8FFE93-3977-452D-84EA-EC710E570775}"/>
               </a:ext>
             </a:extLst>
           </p:cNvPr>
@@ -4201,15 +4317,15 @@
           <p:cNvPr id="3" name="Content Placeholder 2">
             <a:extLst>
               <a:ext uri="{FF2B5EF4-FFF2-40B4-BE49-F238E27FC236}">
-                <a16:creationId xmlns:a16="http://schemas.microsoft.com/office/drawing/2014/main" id="{4C937117-A2F6-4296-ABEC-77AAB001735F}"/>
-              </a:ext>
-            </a:extLst>
-          </p:cNvPr>
-          <p:cNvSpPr>
-            <a:spLocks noGrp="1"/>
-          </p:cNvSpPr>
-          <p:nvPr>
-            <p:ph idx="1"/>
+                <a16:creationId xmlns:a16="http://schemas.microsoft.com/office/drawing/2014/main" id="{BFBD77CA-E99A-4DEC-9763-3B98CD331512}"/>
+              </a:ext>
+            </a:extLst>
+          </p:cNvPr>
+          <p:cNvSpPr>
+            <a:spLocks noGrp="1"/>
+          </p:cNvSpPr>
+          <p:nvPr>
+            <p:ph idx="1" sz="half"/>
           </p:nvPr>
         </p:nvSpPr>
         <p:spPr/>
@@ -4246,6 +4362,36 @@
           </a:p>
         </p:txBody>
       </p:sp>
+      <p:pic>
+        <p:nvPicPr>
+          <p:cNvPr descr="https://github.com/dickoa/panafrican-dima-r-training/blob/main/intro/images/rstudio_logo.jpg?raw=true" id="0" name="Picture 1"/>
+          <p:cNvPicPr>
+            <a:picLocks noGrp="1" noChangeAspect="1"/>
+          </p:cNvPicPr>
+          <p:nvPr/>
+        </p:nvPicPr>
+        <p:blipFill>
+          <a:blip r:embed="rId2"/>
+          <a:stretch>
+            <a:fillRect/>
+          </a:stretch>
+        </p:blipFill>
+        <p:spPr bwMode="auto">
+          <a:xfrm>
+            <a:off x="6705600" y="1727200"/>
+            <a:ext cx="4699000" cy="4114800"/>
+          </a:xfrm>
+          <a:prstGeom prst="rect">
+            <a:avLst/>
+          </a:prstGeom>
+          <a:noFill/>
+          <a:ln w="9525">
+            <a:noFill/>
+            <a:headEnd/>
+            <a:tailEnd/>
+          </a:ln>
+        </p:spPr>
+      </p:pic>
     </p:spTree>
   </p:cSld>
 </p:sld>
@@ -4418,7 +4564,7 @@
           <p:cNvPr id="2" name="Title 1">
             <a:extLst>
               <a:ext uri="{FF2B5EF4-FFF2-40B4-BE49-F238E27FC236}">
-                <a16:creationId xmlns:a16="http://schemas.microsoft.com/office/drawing/2014/main" id="{62CD75F3-8F49-4FE9-B554-9566A1CEB51F}"/>
+                <a16:creationId xmlns:a16="http://schemas.microsoft.com/office/drawing/2014/main" id="{6F8FFE93-3977-452D-84EA-EC710E570775}"/>
               </a:ext>
             </a:extLst>
           </p:cNvPr>
@@ -4449,15 +4595,15 @@
           <p:cNvPr id="3" name="Content Placeholder 2">
             <a:extLst>
               <a:ext uri="{FF2B5EF4-FFF2-40B4-BE49-F238E27FC236}">
-                <a16:creationId xmlns:a16="http://schemas.microsoft.com/office/drawing/2014/main" id="{4C937117-A2F6-4296-ABEC-77AAB001735F}"/>
-              </a:ext>
-            </a:extLst>
-          </p:cNvPr>
-          <p:cNvSpPr>
-            <a:spLocks noGrp="1"/>
-          </p:cNvSpPr>
-          <p:nvPr>
-            <p:ph idx="1"/>
+                <a16:creationId xmlns:a16="http://schemas.microsoft.com/office/drawing/2014/main" id="{BFBD77CA-E99A-4DEC-9763-3B98CD331512}"/>
+              </a:ext>
+            </a:extLst>
+          </p:cNvPr>
+          <p:cNvSpPr>
+            <a:spLocks noGrp="1"/>
+          </p:cNvSpPr>
+          <p:nvPr>
+            <p:ph idx="1" sz="half"/>
           </p:nvPr>
         </p:nvSpPr>
         <p:spPr/>
@@ -4504,6 +4650,36 @@
           </a:p>
         </p:txBody>
       </p:sp>
+      <p:pic>
+        <p:nvPicPr>
+          <p:cNvPr descr="https://github.com/dickoa/panafrican-dima-r-training/blob/main/intro/images/package.png?raw=true" id="0" name="Picture 1"/>
+          <p:cNvPicPr>
+            <a:picLocks noGrp="1" noChangeAspect="1"/>
+          </p:cNvPicPr>
+          <p:nvPr/>
+        </p:nvPicPr>
+        <p:blipFill>
+          <a:blip r:embed="rId2"/>
+          <a:stretch>
+            <a:fillRect/>
+          </a:stretch>
+        </p:blipFill>
+        <p:spPr bwMode="auto">
+          <a:xfrm>
+            <a:off x="7162800" y="1727200"/>
+            <a:ext cx="3784600" cy="4114800"/>
+          </a:xfrm>
+          <a:prstGeom prst="rect">
+            <a:avLst/>
+          </a:prstGeom>
+          <a:noFill/>
+          <a:ln w="9525">
+            <a:noFill/>
+            <a:headEnd/>
+            <a:tailEnd/>
+          </a:ln>
+        </p:spPr>
+      </p:pic>
     </p:spTree>
   </p:cSld>
 </p:sld>
@@ -4528,40 +4704,68 @@
       </p:grpSpPr>
       <p:sp>
         <p:nvSpPr>
-          <p:cNvPr id="2" name="Title 1">
-            <a:extLst>
-              <a:ext uri="{FF2B5EF4-FFF2-40B4-BE49-F238E27FC236}">
-                <a16:creationId xmlns:a16="http://schemas.microsoft.com/office/drawing/2014/main" id="{A31DD392-DD3A-40C8-9E5B-518ABD588D67}"/>
-              </a:ext>
-            </a:extLst>
-          </p:cNvPr>
-          <p:cNvSpPr>
-            <a:spLocks noGrp="1"/>
-          </p:cNvSpPr>
-          <p:nvPr>
-            <p:ph type="title"/>
-          </p:nvPr>
-        </p:nvSpPr>
-        <p:spPr>
+          <p:cNvPr id="3" name="Content Placeholder 2">
+            <a:extLst>
+              <a:ext uri="{FF2B5EF4-FFF2-40B4-BE49-F238E27FC236}">
+                <a16:creationId xmlns:a16="http://schemas.microsoft.com/office/drawing/2014/main" id="{BFBD77CA-E99A-4DEC-9763-3B98CD331512}"/>
+              </a:ext>
+            </a:extLst>
+          </p:cNvPr>
+          <p:cNvSpPr>
+            <a:spLocks noGrp="1"/>
+          </p:cNvSpPr>
+          <p:nvPr>
+            <p:ph idx="1" sz="half"/>
+          </p:nvPr>
+        </p:nvSpPr>
+        <p:spPr/>
+        <p:txBody>
+          <a:bodyPr/>
+          <a:lstStyle/>
+          <a:p>
+            <a:pPr lvl="0" marL="0" indent="0">
+              <a:spcBef>
+                <a:spcPts val="3000"/>
+              </a:spcBef>
+              <a:buNone/>
+            </a:pPr>
+            <a:r>
+              <a:rPr b="1"/>
+              <a:t>UNHCRverse</a:t>
+            </a:r>
+          </a:p>
+        </p:txBody>
+      </p:sp>
+      <p:pic>
+        <p:nvPicPr>
+          <p:cNvPr descr="https://github.com/dickoa/panafrican-dima-r-training/blob/main/intro/images/tidyverse_meme.png?raw=true" id="0" name="Picture 1"/>
+          <p:cNvPicPr>
+            <a:picLocks noGrp="1" noChangeAspect="1"/>
+          </p:cNvPicPr>
+          <p:nvPr/>
+        </p:nvPicPr>
+        <p:blipFill>
+          <a:blip r:embed="rId2"/>
+          <a:stretch>
+            <a:fillRect/>
+          </a:stretch>
+        </p:blipFill>
+        <p:spPr bwMode="auto">
           <a:xfrm>
-            <a:off x="228600" y="1124712"/>
-            <a:ext cx="11731752" cy="2386584"/>
+            <a:off x="6172200" y="1905000"/>
+            <a:ext cx="5778500" cy="3771900"/>
           </a:xfrm>
+          <a:prstGeom prst="rect">
+            <a:avLst/>
+          </a:prstGeom>
+          <a:noFill/>
+          <a:ln w="9525">
+            <a:noFill/>
+            <a:headEnd/>
+            <a:tailEnd/>
+          </a:ln>
         </p:spPr>
-        <p:txBody>
-          <a:bodyPr/>
-          <a:lstStyle/>
-          <a:p>
-            <a:pPr lvl="0" marL="0" indent="0">
-              <a:buNone/>
-            </a:pPr>
-            <a:r>
-              <a:rPr/>
-              <a:t>UNHCRverse</a:t>
-            </a:r>
-          </a:p>
-        </p:txBody>
-      </p:sp>
+      </p:pic>
     </p:spTree>
   </p:cSld>
 </p:sld>

--- a/intro/intro-presentation.pptx
+++ b/intro/intro-presentation.pptx
@@ -3324,7 +3324,7 @@
             </a:pPr>
             <a:r>
               <a:rPr/>
-              <a:t>10</a:t>
+              <a:t>14</a:t>
             </a:r>
             <a:r>
               <a:rPr/>
